--- a/lectures/TAC-Session07.pptx
+++ b/lectures/TAC-Session07.pptx
@@ -139,6 +139,7 @@
 <file path=ppt/revisionInfo.xml><?xml version="1.0" encoding="utf-8"?>
 <p1510:revInfo xmlns:a="http://schemas.openxmlformats.org/drawingml/2006/main" xmlns:r="http://schemas.openxmlformats.org/officeDocument/2006/relationships" xmlns:p1510="http://schemas.microsoft.com/office/powerpoint/2015/10/main">
   <p1510:revLst>
+    <p1510:client id="{04F34E77-C278-1C9D-9862-522FAEE891D3}" v="16" dt="2024-10-10T15:30:36.486"/>
     <p1510:client id="{60FFED8E-5327-0BE2-C163-8717613BA527}" v="2" dt="2024-10-08T20:36:59.533"/>
   </p1510:revLst>
 </p1510:revInfo>
@@ -273,7 +274,7 @@
           <a:p>
             <a:fld id="{E431C0BB-DC71-4713-A787-95011EDB8CA8}" type="datetimeFigureOut">
               <a:rPr lang="pt-PT" smtClean="0"/>
-              <a:t>08/10/2024</a:t>
+              <a:t>10/10/2024</a:t>
             </a:fld>
             <a:endParaRPr lang="pt-PT"/>
           </a:p>
@@ -441,7 +442,7 @@
           <a:p>
             <a:fld id="{E431C0BB-DC71-4713-A787-95011EDB8CA8}" type="datetimeFigureOut">
               <a:rPr lang="pt-PT" smtClean="0"/>
-              <a:t>08/10/2024</a:t>
+              <a:t>10/10/2024</a:t>
             </a:fld>
             <a:endParaRPr lang="pt-PT"/>
           </a:p>
@@ -619,7 +620,7 @@
           <a:p>
             <a:fld id="{E431C0BB-DC71-4713-A787-95011EDB8CA8}" type="datetimeFigureOut">
               <a:rPr lang="pt-PT" smtClean="0"/>
-              <a:t>08/10/2024</a:t>
+              <a:t>10/10/2024</a:t>
             </a:fld>
             <a:endParaRPr lang="pt-PT"/>
           </a:p>
@@ -787,7 +788,7 @@
           <a:p>
             <a:fld id="{E431C0BB-DC71-4713-A787-95011EDB8CA8}" type="datetimeFigureOut">
               <a:rPr lang="pt-PT" smtClean="0"/>
-              <a:t>08/10/2024</a:t>
+              <a:t>10/10/2024</a:t>
             </a:fld>
             <a:endParaRPr lang="pt-PT"/>
           </a:p>
@@ -1032,7 +1033,7 @@
           <a:p>
             <a:fld id="{E431C0BB-DC71-4713-A787-95011EDB8CA8}" type="datetimeFigureOut">
               <a:rPr lang="pt-PT" smtClean="0"/>
-              <a:t>08/10/2024</a:t>
+              <a:t>10/10/2024</a:t>
             </a:fld>
             <a:endParaRPr lang="pt-PT"/>
           </a:p>
@@ -1261,7 +1262,7 @@
           <a:p>
             <a:fld id="{E431C0BB-DC71-4713-A787-95011EDB8CA8}" type="datetimeFigureOut">
               <a:rPr lang="pt-PT" smtClean="0"/>
-              <a:t>08/10/2024</a:t>
+              <a:t>10/10/2024</a:t>
             </a:fld>
             <a:endParaRPr lang="pt-PT"/>
           </a:p>
@@ -1625,7 +1626,7 @@
           <a:p>
             <a:fld id="{E431C0BB-DC71-4713-A787-95011EDB8CA8}" type="datetimeFigureOut">
               <a:rPr lang="pt-PT" smtClean="0"/>
-              <a:t>08/10/2024</a:t>
+              <a:t>10/10/2024</a:t>
             </a:fld>
             <a:endParaRPr lang="pt-PT"/>
           </a:p>
@@ -1742,7 +1743,7 @@
           <a:p>
             <a:fld id="{E431C0BB-DC71-4713-A787-95011EDB8CA8}" type="datetimeFigureOut">
               <a:rPr lang="pt-PT" smtClean="0"/>
-              <a:t>08/10/2024</a:t>
+              <a:t>10/10/2024</a:t>
             </a:fld>
             <a:endParaRPr lang="pt-PT"/>
           </a:p>
@@ -1837,7 +1838,7 @@
           <a:p>
             <a:fld id="{E431C0BB-DC71-4713-A787-95011EDB8CA8}" type="datetimeFigureOut">
               <a:rPr lang="pt-PT" smtClean="0"/>
-              <a:t>08/10/2024</a:t>
+              <a:t>10/10/2024</a:t>
             </a:fld>
             <a:endParaRPr lang="pt-PT"/>
           </a:p>
@@ -2112,7 +2113,7 @@
           <a:p>
             <a:fld id="{E431C0BB-DC71-4713-A787-95011EDB8CA8}" type="datetimeFigureOut">
               <a:rPr lang="pt-PT" smtClean="0"/>
-              <a:t>08/10/2024</a:t>
+              <a:t>10/10/2024</a:t>
             </a:fld>
             <a:endParaRPr lang="pt-PT"/>
           </a:p>
@@ -2364,7 +2365,7 @@
           <a:p>
             <a:fld id="{E431C0BB-DC71-4713-A787-95011EDB8CA8}" type="datetimeFigureOut">
               <a:rPr lang="pt-PT" smtClean="0"/>
-              <a:t>08/10/2024</a:t>
+              <a:t>10/10/2024</a:t>
             </a:fld>
             <a:endParaRPr lang="pt-PT"/>
           </a:p>
@@ -2575,7 +2576,7 @@
           <a:p>
             <a:fld id="{E431C0BB-DC71-4713-A787-95011EDB8CA8}" type="datetimeFigureOut">
               <a:rPr lang="pt-PT" smtClean="0"/>
-              <a:t>08/10/2024</a:t>
+              <a:t>10/10/2024</a:t>
             </a:fld>
             <a:endParaRPr lang="pt-PT"/>
           </a:p>
@@ -8625,18 +8626,11 @@
           <a:p>
             <a:pPr algn="just"/>
             <a:r>
-              <a:rPr lang="pt-PT" sz="3000" dirty="0" err="1">
-                <a:ea typeface="+mn-lt"/>
-                <a:cs typeface="+mn-lt"/>
-              </a:rPr>
-              <a:t>Sinlge</a:t>
-            </a:r>
-            <a:r>
               <a:rPr lang="pt-PT" sz="3000" dirty="0">
                 <a:ea typeface="+mn-lt"/>
                 <a:cs typeface="+mn-lt"/>
               </a:rPr>
-              <a:t>-link</a:t>
+              <a:t>Single-link</a:t>
             </a:r>
           </a:p>
           <a:p>
@@ -15155,7 +15149,7 @@
                 <a:ea typeface="+mn-lt"/>
                 <a:cs typeface="+mn-lt"/>
               </a:rPr>
-              <a:t>wach</a:t>
+              <a:t>each</a:t>
             </a:r>
             <a:r>
               <a:rPr lang="pt-PT" sz="2600" dirty="0">
@@ -17423,7 +17417,7 @@
                 <a:ea typeface="+mn-lt"/>
                 <a:cs typeface="+mn-lt"/>
               </a:rPr>
-              <a:t>wach</a:t>
+              <a:t>each</a:t>
             </a:r>
             <a:r>
               <a:rPr lang="pt-PT" sz="2600" dirty="0">
@@ -18455,7 +18449,7 @@
               <a:t>2.1  </a:t>
             </a:r>
             <a:r>
-              <a:rPr lang="pt-PT" sz="2600" b="1" err="1">
+              <a:rPr lang="pt-PT" sz="2600" b="1" dirty="0" err="1">
                 <a:solidFill>
                   <a:schemeClr val="accent3"/>
                 </a:solidFill>
@@ -18475,7 +18469,7 @@
               <a:t> K clusters </a:t>
             </a:r>
             <a:r>
-              <a:rPr lang="pt-PT" sz="2600" b="1" err="1">
+              <a:rPr lang="pt-PT" sz="2600" b="1" dirty="0" err="1">
                 <a:solidFill>
                   <a:schemeClr val="accent3"/>
                 </a:solidFill>
@@ -18495,7 +18489,7 @@
               <a:t> </a:t>
             </a:r>
             <a:r>
-              <a:rPr lang="pt-PT" sz="2600" b="1" err="1">
+              <a:rPr lang="pt-PT" sz="2600" b="1" dirty="0" err="1">
                 <a:solidFill>
                   <a:schemeClr val="accent3"/>
                 </a:solidFill>
@@ -18515,14 +18509,14 @@
               <a:t> </a:t>
             </a:r>
             <a:r>
-              <a:rPr lang="pt-PT" sz="2600" b="1" err="1">
+              <a:rPr lang="pt-PT" sz="2600" b="1" dirty="0" err="1">
                 <a:solidFill>
                   <a:schemeClr val="accent3"/>
                 </a:solidFill>
                 <a:ea typeface="+mn-lt"/>
                 <a:cs typeface="+mn-lt"/>
               </a:rPr>
-              <a:t>wach</a:t>
+              <a:t>each</a:t>
             </a:r>
             <a:r>
               <a:rPr lang="pt-PT" sz="2600" b="1" dirty="0">
@@ -18535,7 +18529,7 @@
               <a:t> </a:t>
             </a:r>
             <a:r>
-              <a:rPr lang="pt-PT" sz="2600" b="1" err="1">
+              <a:rPr lang="pt-PT" sz="2600" b="1" dirty="0" err="1">
                 <a:solidFill>
                   <a:schemeClr val="accent3"/>
                 </a:solidFill>
@@ -18555,7 +18549,7 @@
               <a:t> to </a:t>
             </a:r>
             <a:r>
-              <a:rPr lang="pt-PT" sz="2600" b="1" err="1">
+              <a:rPr lang="pt-PT" sz="2600" b="1" dirty="0" err="1">
                 <a:solidFill>
                   <a:schemeClr val="accent3"/>
                 </a:solidFill>
@@ -18575,7 +18569,7 @@
               <a:t> </a:t>
             </a:r>
             <a:r>
-              <a:rPr lang="pt-PT" sz="2600" b="1" err="1">
+              <a:rPr lang="pt-PT" sz="2600" b="1" dirty="0" err="1">
                 <a:solidFill>
                   <a:schemeClr val="accent3"/>
                 </a:solidFill>
@@ -18595,7 +18589,7 @@
               <a:t> </a:t>
             </a:r>
             <a:r>
-              <a:rPr lang="pt-PT" sz="2600" b="1" err="1">
+              <a:rPr lang="pt-PT" sz="2600" b="1" dirty="0" err="1">
                 <a:solidFill>
                   <a:schemeClr val="accent3"/>
                 </a:solidFill>
@@ -18604,7 +18598,7 @@
               </a:rPr>
               <a:t>centroid</a:t>
             </a:r>
-            <a:endParaRPr lang="pt-PT" sz="2600" b="1">
+            <a:endParaRPr lang="pt-PT" sz="2600" b="1" dirty="0">
               <a:solidFill>
                 <a:schemeClr val="accent3"/>
               </a:solidFill>
@@ -19624,7 +19618,7 @@
                 <a:ea typeface="+mn-lt"/>
                 <a:cs typeface="+mn-lt"/>
               </a:rPr>
-              <a:t>wach</a:t>
+              <a:t>each</a:t>
             </a:r>
             <a:r>
               <a:rPr lang="pt-PT" sz="2600" dirty="0">
@@ -20738,7 +20732,7 @@
                 <a:ea typeface="+mn-lt"/>
                 <a:cs typeface="+mn-lt"/>
               </a:rPr>
-              <a:t>wach</a:t>
+              <a:t>each</a:t>
             </a:r>
             <a:r>
               <a:rPr lang="pt-PT" sz="2600" dirty="0">
@@ -21813,7 +21807,7 @@
                 <a:ea typeface="+mn-lt"/>
                 <a:cs typeface="+mn-lt"/>
               </a:rPr>
-              <a:t>wach</a:t>
+              <a:t>each</a:t>
             </a:r>
             <a:r>
               <a:rPr lang="pt-PT" sz="2600" dirty="0">
